--- a/doc/img/diagram.pptx
+++ b/doc/img/diagram.pptx
@@ -197,7 +197,7 @@
           <a:p>
             <a:fld id="{3643305F-3A43-FD4B-9534-CDDF7C037015}" type="datetimeFigureOut">
               <a:rPr lang="en-US" smtClean="0"/>
-              <a:t>9/18/20</a:t>
+              <a:t>12/16/20</a:t>
             </a:fld>
             <a:endParaRPr lang="en-US"/>
           </a:p>
@@ -2066,7 +2066,7 @@
                 </a:solidFill>
                 <a:latin typeface="Calibri"/>
               </a:rPr>
-              <a:t>9/18/20</a:t>
+              <a:t>12/16/20</a:t>
             </a:fld>
             <a:endParaRPr lang="en-US" sz="1200" b="0" strike="noStrike" spc="-1">
               <a:latin typeface="Times New Roman"/>
@@ -2465,6 +2465,53 @@
       </p:grpSpPr>
       <p:sp>
         <p:nvSpPr>
+          <p:cNvPr id="12" name="CustomShape 2">
+            <a:extLst>
+              <a:ext uri="{FF2B5EF4-FFF2-40B4-BE49-F238E27FC236}">
+                <a16:creationId xmlns:a16="http://schemas.microsoft.com/office/drawing/2014/main" id="{2D1DCE04-32CA-FA40-9A5C-D72C9DC2B8DD}"/>
+              </a:ext>
+            </a:extLst>
+          </p:cNvPr>
+          <p:cNvSpPr/>
+          <p:nvPr/>
+        </p:nvSpPr>
+        <p:spPr>
+          <a:xfrm>
+            <a:off x="8735820" y="2771902"/>
+            <a:ext cx="709920" cy="437400"/>
+          </a:xfrm>
+          <a:prstGeom prst="rightArrow">
+            <a:avLst>
+              <a:gd name="adj1" fmla="val 50000"/>
+              <a:gd name="adj2" fmla="val 50000"/>
+            </a:avLst>
+          </a:prstGeom>
+          <a:solidFill>
+            <a:schemeClr val="bg1"/>
+          </a:solidFill>
+          <a:ln>
+            <a:solidFill>
+              <a:schemeClr val="tx1"/>
+            </a:solidFill>
+          </a:ln>
+        </p:spPr>
+        <p:style>
+          <a:lnRef idx="2">
+            <a:schemeClr val="accent1">
+              <a:shade val="50000"/>
+            </a:schemeClr>
+          </a:lnRef>
+          <a:fillRef idx="1">
+            <a:schemeClr val="accent1"/>
+          </a:fillRef>
+          <a:effectRef idx="0">
+            <a:schemeClr val="accent1"/>
+          </a:effectRef>
+          <a:fontRef idx="minor"/>
+        </p:style>
+      </p:sp>
+      <p:sp>
+        <p:nvSpPr>
           <p:cNvPr id="40" name="CustomShape 1"/>
           <p:cNvSpPr/>
           <p:nvPr/>
@@ -2889,7 +2936,7 @@
         </p:nvSpPr>
         <p:spPr>
           <a:xfrm>
-            <a:off x="7375260" y="2396880"/>
+            <a:off x="9445740" y="2396880"/>
             <a:ext cx="1371600" cy="1143000"/>
           </a:xfrm>
           <a:prstGeom prst="rect">
@@ -2954,6 +3001,47 @@
           </a:p>
         </p:txBody>
       </p:sp>
+      <p:pic>
+        <p:nvPicPr>
+          <p:cNvPr id="3" name="Picture 2">
+            <a:extLst>
+              <a:ext uri="{FF2B5EF4-FFF2-40B4-BE49-F238E27FC236}">
+                <a16:creationId xmlns:a16="http://schemas.microsoft.com/office/drawing/2014/main" id="{7C6CA28F-FD93-8D49-A2ED-FE46218548DC}"/>
+              </a:ext>
+            </a:extLst>
+          </p:cNvPr>
+          <p:cNvPicPr>
+            <a:picLocks noChangeAspect="1"/>
+          </p:cNvPicPr>
+          <p:nvPr/>
+        </p:nvPicPr>
+        <p:blipFill>
+          <a:blip r:embed="rId2">
+            <a:extLst>
+              <a:ext uri="{28A0092B-C50C-407E-A947-70E740481C1C}">
+                <a14:useLocalDpi xmlns:a14="http://schemas.microsoft.com/office/drawing/2010/main" val="0"/>
+              </a:ext>
+            </a:extLst>
+          </a:blip>
+          <a:stretch>
+            <a:fillRect/>
+          </a:stretch>
+        </p:blipFill>
+        <p:spPr>
+          <a:xfrm>
+            <a:off x="7368240" y="2396880"/>
+            <a:ext cx="1524000" cy="1117600"/>
+          </a:xfrm>
+          <a:prstGeom prst="rect">
+            <a:avLst/>
+          </a:prstGeom>
+          <a:ln>
+            <a:solidFill>
+              <a:schemeClr val="tx1"/>
+            </a:solidFill>
+          </a:ln>
+        </p:spPr>
+      </p:pic>
     </p:spTree>
   </p:cSld>
   <p:clrMapOvr>
